--- a/Thesis/Figures/polished/wiring_CPWR_VS.pptx
+++ b/Thesis/Figures/polished/wiring_CPWR_VS.pptx
@@ -243,7 +243,7 @@
           <a:p>
             <a:fld id="{0922A112-48B9-4C05-94B1-8CB940845FC4}" type="datetimeFigureOut">
               <a:rPr lang="en-AU" smtClean="0"/>
-              <a:t>7/10/2018</a:t>
+              <a:t>8/10/2018</a:t>
             </a:fld>
             <a:endParaRPr lang="en-AU"/>
           </a:p>
@@ -413,7 +413,7 @@
           <a:p>
             <a:fld id="{0922A112-48B9-4C05-94B1-8CB940845FC4}" type="datetimeFigureOut">
               <a:rPr lang="en-AU" smtClean="0"/>
-              <a:t>7/10/2018</a:t>
+              <a:t>8/10/2018</a:t>
             </a:fld>
             <a:endParaRPr lang="en-AU"/>
           </a:p>
@@ -593,7 +593,7 @@
           <a:p>
             <a:fld id="{0922A112-48B9-4C05-94B1-8CB940845FC4}" type="datetimeFigureOut">
               <a:rPr lang="en-AU" smtClean="0"/>
-              <a:t>7/10/2018</a:t>
+              <a:t>8/10/2018</a:t>
             </a:fld>
             <a:endParaRPr lang="en-AU"/>
           </a:p>
@@ -763,7 +763,7 @@
           <a:p>
             <a:fld id="{0922A112-48B9-4C05-94B1-8CB940845FC4}" type="datetimeFigureOut">
               <a:rPr lang="en-AU" smtClean="0"/>
-              <a:t>7/10/2018</a:t>
+              <a:t>8/10/2018</a:t>
             </a:fld>
             <a:endParaRPr lang="en-AU"/>
           </a:p>
@@ -1007,7 +1007,7 @@
           <a:p>
             <a:fld id="{0922A112-48B9-4C05-94B1-8CB940845FC4}" type="datetimeFigureOut">
               <a:rPr lang="en-AU" smtClean="0"/>
-              <a:t>7/10/2018</a:t>
+              <a:t>8/10/2018</a:t>
             </a:fld>
             <a:endParaRPr lang="en-AU"/>
           </a:p>
@@ -1239,7 +1239,7 @@
           <a:p>
             <a:fld id="{0922A112-48B9-4C05-94B1-8CB940845FC4}" type="datetimeFigureOut">
               <a:rPr lang="en-AU" smtClean="0"/>
-              <a:t>7/10/2018</a:t>
+              <a:t>8/10/2018</a:t>
             </a:fld>
             <a:endParaRPr lang="en-AU"/>
           </a:p>
@@ -1606,7 +1606,7 @@
           <a:p>
             <a:fld id="{0922A112-48B9-4C05-94B1-8CB940845FC4}" type="datetimeFigureOut">
               <a:rPr lang="en-AU" smtClean="0"/>
-              <a:t>7/10/2018</a:t>
+              <a:t>8/10/2018</a:t>
             </a:fld>
             <a:endParaRPr lang="en-AU"/>
           </a:p>
@@ -1724,7 +1724,7 @@
           <a:p>
             <a:fld id="{0922A112-48B9-4C05-94B1-8CB940845FC4}" type="datetimeFigureOut">
               <a:rPr lang="en-AU" smtClean="0"/>
-              <a:t>7/10/2018</a:t>
+              <a:t>8/10/2018</a:t>
             </a:fld>
             <a:endParaRPr lang="en-AU"/>
           </a:p>
@@ -1819,7 +1819,7 @@
           <a:p>
             <a:fld id="{0922A112-48B9-4C05-94B1-8CB940845FC4}" type="datetimeFigureOut">
               <a:rPr lang="en-AU" smtClean="0"/>
-              <a:t>7/10/2018</a:t>
+              <a:t>8/10/2018</a:t>
             </a:fld>
             <a:endParaRPr lang="en-AU"/>
           </a:p>
@@ -2096,7 +2096,7 @@
           <a:p>
             <a:fld id="{0922A112-48B9-4C05-94B1-8CB940845FC4}" type="datetimeFigureOut">
               <a:rPr lang="en-AU" smtClean="0"/>
-              <a:t>7/10/2018</a:t>
+              <a:t>8/10/2018</a:t>
             </a:fld>
             <a:endParaRPr lang="en-AU"/>
           </a:p>
@@ -2353,7 +2353,7 @@
           <a:p>
             <a:fld id="{0922A112-48B9-4C05-94B1-8CB940845FC4}" type="datetimeFigureOut">
               <a:rPr lang="en-AU" smtClean="0"/>
-              <a:t>7/10/2018</a:t>
+              <a:t>8/10/2018</a:t>
             </a:fld>
             <a:endParaRPr lang="en-AU"/>
           </a:p>
@@ -2566,7 +2566,7 @@
           <a:p>
             <a:fld id="{0922A112-48B9-4C05-94B1-8CB940845FC4}" type="datetimeFigureOut">
               <a:rPr lang="en-AU" smtClean="0"/>
-              <a:t>7/10/2018</a:t>
+              <a:t>8/10/2018</a:t>
             </a:fld>
             <a:endParaRPr lang="en-AU"/>
           </a:p>
@@ -3221,13 +3221,15 @@
       <p:cxnSp>
         <p:nvCxnSpPr>
           <p:cNvPr id="74" name="Straight Arrow Connector 73"/>
-          <p:cNvCxnSpPr/>
+          <p:cNvCxnSpPr>
+            <a:stCxn id="68" idx="2"/>
+          </p:cNvCxnSpPr>
           <p:nvPr/>
         </p:nvCxnSpPr>
         <p:spPr>
-          <a:xfrm flipH="1">
-            <a:off x="2109432" y="2418590"/>
-            <a:ext cx="21234" cy="1631414"/>
+          <a:xfrm>
+            <a:off x="2219706" y="2380693"/>
+            <a:ext cx="9341" cy="1666142"/>
           </a:xfrm>
           <a:prstGeom prst="straightConnector1">
             <a:avLst/>
@@ -3764,7 +3766,6 @@
           <p:cNvPr id="258" name="Elbow Connector 257"/>
           <p:cNvCxnSpPr>
             <a:stCxn id="121" idx="2"/>
-            <a:endCxn id="233" idx="0"/>
           </p:cNvCxnSpPr>
           <p:nvPr/>
         </p:nvCxnSpPr>
@@ -5285,8 +5286,8 @@
         </p:nvCxnSpPr>
         <p:spPr>
           <a:xfrm>
-            <a:off x="1889856" y="6184155"/>
-            <a:ext cx="11138" cy="377170"/>
+            <a:off x="2269550" y="6163787"/>
+            <a:ext cx="0" cy="320580"/>
           </a:xfrm>
           <a:prstGeom prst="straightConnector1">
             <a:avLst/>
@@ -8547,8 +8548,8 @@
         </p:nvSpPr>
         <p:spPr>
           <a:xfrm>
-            <a:off x="5133622" y="5303025"/>
-            <a:ext cx="1647759" cy="384721"/>
+            <a:off x="5000088" y="5425964"/>
+            <a:ext cx="962123" cy="384721"/>
           </a:xfrm>
           <a:prstGeom prst="rect">
             <a:avLst/>
@@ -8572,7 +8573,7 @@
                   </a:schemeClr>
                 </a:solidFill>
               </a:rPr>
-              <a:t>Hybrid coupler</a:t>
+              <a:t>Coupler</a:t>
             </a:r>
             <a:endParaRPr lang="en-US" sz="1900" dirty="0">
               <a:solidFill>
@@ -8764,87 +8765,6 @@
               </a:rPr>
               <a:t>AWG</a:t>
             </a:r>
-          </a:p>
-        </p:txBody>
-      </p:sp>
-      <p:sp>
-        <p:nvSpPr>
-          <p:cNvPr id="233" name="Rectangle 232"/>
-          <p:cNvSpPr/>
-          <p:nvPr/>
-        </p:nvSpPr>
-        <p:spPr>
-          <a:xfrm>
-            <a:off x="3391249" y="5301554"/>
-            <a:ext cx="812104" cy="672879"/>
-          </a:xfrm>
-          <a:prstGeom prst="rect">
-            <a:avLst/>
-          </a:prstGeom>
-          <a:solidFill>
-            <a:schemeClr val="bg1">
-              <a:lumMod val="95000"/>
-            </a:schemeClr>
-          </a:solidFill>
-          <a:ln w="28575">
-            <a:solidFill>
-              <a:srgbClr val="C00000"/>
-            </a:solidFill>
-          </a:ln>
-        </p:spPr>
-        <p:style>
-          <a:lnRef idx="2">
-            <a:schemeClr val="accent1">
-              <a:shade val="50000"/>
-            </a:schemeClr>
-          </a:lnRef>
-          <a:fillRef idx="1">
-            <a:schemeClr val="accent1"/>
-          </a:fillRef>
-          <a:effectRef idx="0">
-            <a:schemeClr val="accent1"/>
-          </a:effectRef>
-          <a:fontRef idx="minor">
-            <a:schemeClr val="lt1"/>
-          </a:fontRef>
-        </p:style>
-        <p:txBody>
-          <a:bodyPr rot="0" spcFirstLastPara="0" vertOverflow="overflow" horzOverflow="overflow" vert="horz" wrap="square" lIns="91440" tIns="45720" rIns="91440" bIns="45720" numCol="1" spcCol="0" rtlCol="0" fromWordArt="0" anchor="ctr" anchorCtr="0" forceAA="0" compatLnSpc="1">
-            <a:prstTxWarp prst="textNoShape">
-              <a:avLst/>
-            </a:prstTxWarp>
-            <a:noAutofit/>
-          </a:bodyPr>
-          <a:lstStyle/>
-          <a:p>
-            <a:pPr algn="ctr"/>
-            <a:r>
-              <a:rPr lang="en-AU" sz="1900" dirty="0">
-                <a:solidFill>
-                  <a:schemeClr val="accent6">
-                    <a:lumMod val="50000"/>
-                  </a:schemeClr>
-                </a:solidFill>
-              </a:rPr>
-              <a:t>Bias </a:t>
-            </a:r>
-            <a:r>
-              <a:rPr lang="en-AU" sz="1900" dirty="0" smtClean="0">
-                <a:solidFill>
-                  <a:schemeClr val="accent6">
-                    <a:lumMod val="50000"/>
-                  </a:schemeClr>
-                </a:solidFill>
-              </a:rPr>
-              <a:t>T pic</a:t>
-            </a:r>
-            <a:endParaRPr lang="en-AU" sz="1900" dirty="0">
-              <a:solidFill>
-                <a:schemeClr val="accent6">
-                  <a:lumMod val="50000"/>
-                </a:schemeClr>
-              </a:solidFill>
-            </a:endParaRPr>
           </a:p>
         </p:txBody>
       </p:sp>
@@ -8918,46 +8838,6 @@
           </a:p>
         </p:txBody>
       </p:sp>
-      <p:cxnSp>
-        <p:nvCxnSpPr>
-          <p:cNvPr id="248" name="Straight Arrow Connector 247"/>
-          <p:cNvCxnSpPr>
-            <a:endCxn id="233" idx="1"/>
-          </p:cNvCxnSpPr>
-          <p:nvPr/>
-        </p:nvCxnSpPr>
-        <p:spPr>
-          <a:xfrm>
-            <a:off x="2807181" y="5626760"/>
-            <a:ext cx="584068" cy="11234"/>
-          </a:xfrm>
-          <a:prstGeom prst="straightConnector1">
-            <a:avLst/>
-          </a:prstGeom>
-          <a:ln w="38100">
-            <a:solidFill>
-              <a:schemeClr val="accent5">
-                <a:lumMod val="75000"/>
-              </a:schemeClr>
-            </a:solidFill>
-            <a:tailEnd type="triangle"/>
-          </a:ln>
-        </p:spPr>
-        <p:style>
-          <a:lnRef idx="1">
-            <a:schemeClr val="accent1"/>
-          </a:lnRef>
-          <a:fillRef idx="0">
-            <a:schemeClr val="accent1"/>
-          </a:fillRef>
-          <a:effectRef idx="0">
-            <a:schemeClr val="accent1"/>
-          </a:effectRef>
-          <a:fontRef idx="minor">
-            <a:schemeClr val="tx1"/>
-          </a:fontRef>
-        </p:style>
-      </p:cxnSp>
       <p:sp>
         <p:nvSpPr>
           <p:cNvPr id="275" name="Rounded Rectangle 274"/>
@@ -9687,7 +9567,6 @@
         <p:nvCxnSpPr>
           <p:cNvPr id="302" name="Elbow Connector 301"/>
           <p:cNvCxnSpPr>
-            <a:stCxn id="233" idx="2"/>
             <a:endCxn id="264" idx="3"/>
           </p:cNvCxnSpPr>
           <p:nvPr/>
@@ -9743,6 +9622,127 @@
           <a:ln w="38100">
             <a:solidFill>
               <a:schemeClr val="accent2">
+                <a:lumMod val="75000"/>
+              </a:schemeClr>
+            </a:solidFill>
+            <a:tailEnd type="triangle"/>
+          </a:ln>
+        </p:spPr>
+        <p:style>
+          <a:lnRef idx="1">
+            <a:schemeClr val="accent1"/>
+          </a:lnRef>
+          <a:fillRef idx="0">
+            <a:schemeClr val="accent1"/>
+          </a:fillRef>
+          <a:effectRef idx="0">
+            <a:schemeClr val="accent1"/>
+          </a:effectRef>
+          <a:fontRef idx="minor">
+            <a:schemeClr val="tx1"/>
+          </a:fontRef>
+        </p:style>
+      </p:cxnSp>
+      <p:pic>
+        <p:nvPicPr>
+          <p:cNvPr id="183" name="Picture 182"/>
+          <p:cNvPicPr>
+            <a:picLocks noChangeAspect="1"/>
+          </p:cNvPicPr>
+          <p:nvPr/>
+        </p:nvPicPr>
+        <p:blipFill rotWithShape="1">
+          <a:blip r:embed="rId7" cstate="print">
+            <a:extLst>
+              <a:ext uri="{BEBA8EAE-BF5A-486C-A8C5-ECC9F3942E4B}">
+                <a14:imgProps xmlns:a14="http://schemas.microsoft.com/office/drawing/2010/main">
+                  <a14:imgLayer r:embed="rId8">
+                    <a14:imgEffect>
+                      <a14:backgroundRemoval t="38763" b="93196" l="9951" r="75426">
+                        <a14:backgroundMark x1="64431" y1="62680" x2="64431" y2="62680"/>
+                      </a14:backgroundRemoval>
+                    </a14:imgEffect>
+                  </a14:imgLayer>
+                </a14:imgProps>
+              </a:ext>
+              <a:ext uri="{28A0092B-C50C-407E-A947-70E740481C1C}">
+                <a14:useLocalDpi xmlns:a14="http://schemas.microsoft.com/office/drawing/2010/main" val="0"/>
+              </a:ext>
+            </a:extLst>
+          </a:blip>
+          <a:srcRect l="11944" t="37987" r="28147" b="20593"/>
+          <a:stretch/>
+        </p:blipFill>
+        <p:spPr>
+          <a:xfrm rot="16200000" flipH="1">
+            <a:off x="3347620" y="5142021"/>
+            <a:ext cx="926432" cy="854005"/>
+          </a:xfrm>
+          <a:prstGeom prst="rect">
+            <a:avLst/>
+          </a:prstGeom>
+          <a:ln w="19050">
+            <a:solidFill>
+              <a:schemeClr val="tx1"/>
+            </a:solidFill>
+          </a:ln>
+        </p:spPr>
+      </p:pic>
+      <p:sp>
+        <p:nvSpPr>
+          <p:cNvPr id="184" name="TextBox 183"/>
+          <p:cNvSpPr txBox="1"/>
+          <p:nvPr/>
+        </p:nvSpPr>
+        <p:spPr>
+          <a:xfrm>
+            <a:off x="3032474" y="4746558"/>
+            <a:ext cx="794928" cy="384721"/>
+          </a:xfrm>
+          <a:prstGeom prst="rect">
+            <a:avLst/>
+          </a:prstGeom>
+          <a:noFill/>
+        </p:spPr>
+        <p:txBody>
+          <a:bodyPr wrap="square" rtlCol="0">
+            <a:spAutoFit/>
+          </a:bodyPr>
+          <a:lstStyle/>
+          <a:p>
+            <a:r>
+              <a:rPr lang="en-AU" sz="1900" dirty="0" smtClean="0">
+                <a:solidFill>
+                  <a:srgbClr val="00B050"/>
+                </a:solidFill>
+              </a:rPr>
+              <a:t>Bias-T</a:t>
+            </a:r>
+            <a:endParaRPr lang="en-AU" sz="1900" dirty="0">
+              <a:solidFill>
+                <a:srgbClr val="00B050"/>
+              </a:solidFill>
+            </a:endParaRPr>
+          </a:p>
+        </p:txBody>
+      </p:sp>
+      <p:cxnSp>
+        <p:nvCxnSpPr>
+          <p:cNvPr id="248" name="Straight Arrow Connector 247"/>
+          <p:cNvCxnSpPr/>
+          <p:nvPr/>
+        </p:nvCxnSpPr>
+        <p:spPr>
+          <a:xfrm flipV="1">
+            <a:off x="2789202" y="5569024"/>
+            <a:ext cx="791254" cy="8100"/>
+          </a:xfrm>
+          <a:prstGeom prst="straightConnector1">
+            <a:avLst/>
+          </a:prstGeom>
+          <a:ln w="38100">
+            <a:solidFill>
+              <a:schemeClr val="accent5">
                 <a:lumMod val="75000"/>
               </a:schemeClr>
             </a:solidFill>
